--- a/Nordic Sensing Issue Tree.pptx
+++ b/Nordic Sensing Issue Tree.pptx
@@ -266,7 +266,7 @@
       </p15:sldGuideLst>
     </p:ext>
     <p:ext uri="http://customooxmlschemas.google.com/">
-      <go:slidesCustomData xmlns:go="http://customooxmlschemas.google.com/" xmlns:p15="http://schemas.microsoft.com/office/powerpoint/2012/main" xmlns:p14="http://schemas.microsoft.com/office/powerpoint/2010/main" xmlns:com="http://schemas.openxmlformats.org/drawingml/2006/compatibility" xmlns:pvml="urn:schemas-microsoft-com:office:powerpoint" xmlns:v="urn:schemas-microsoft-com:vml" xmlns:o="urn:schemas-microsoft-com:office:office" xmlns:dgm="http://schemas.openxmlformats.org/drawingml/2006/diagram" xmlns:c="http://schemas.openxmlformats.org/drawingml/2006/chart" xmlns:mv="urn:schemas-microsoft-com:mac:vml" xmlns:mc="http://schemas.openxmlformats.org/markup-compatibility/2006" xmlns="" r:id="rId10" roundtripDataSignature="AMtx7mh25xktGHMJRxX7Qy0FN+pmM3PERQ=="/>
+      <go:slidesCustomData xmlns="" xmlns:mc="http://schemas.openxmlformats.org/markup-compatibility/2006" xmlns:mv="urn:schemas-microsoft-com:mac:vml" xmlns:c="http://schemas.openxmlformats.org/drawingml/2006/chart" xmlns:dgm="http://schemas.openxmlformats.org/drawingml/2006/diagram" xmlns:o="urn:schemas-microsoft-com:office:office" xmlns:v="urn:schemas-microsoft-com:vml" xmlns:pvml="urn:schemas-microsoft-com:office:powerpoint" xmlns:com="http://schemas.openxmlformats.org/drawingml/2006/compatibility" xmlns:p14="http://schemas.microsoft.com/office/powerpoint/2010/main" xmlns:p15="http://schemas.microsoft.com/office/powerpoint/2012/main" xmlns:go="http://customooxmlschemas.google.com/" r:id="rId10" roundtripDataSignature="AMtx7mh25xktGHMJRxX7Qy0FN+pmM3PERQ=="/>
     </p:ext>
   </p:extLst>
 </p:presentation>
@@ -275,7 +275,7 @@
 <file path=ppt/revisionInfo.xml><?xml version="1.0" encoding="utf-8"?>
 <p1510:revInfo xmlns:a="http://schemas.openxmlformats.org/drawingml/2006/main" xmlns:r="http://schemas.openxmlformats.org/officeDocument/2006/relationships" xmlns:p1510="http://schemas.microsoft.com/office/powerpoint/2015/10/main">
   <p1510:revLst>
-    <p1510:client id="{59A17278-D57F-4087-8834-1A2B65F7281E}" v="1" dt="2021-09-12T03:26:03.414"/>
+    <p1510:client id="{59A17278-D57F-4087-8834-1A2B65F7281E}" v="3" dt="2021-09-12T22:25:35.692"/>
   </p1510:revLst>
 </p1510:revInfo>
 </file>
@@ -284,8 +284,8 @@
 <pc:chgInfo xmlns:a="http://schemas.openxmlformats.org/drawingml/2006/main" xmlns:r="http://schemas.openxmlformats.org/officeDocument/2006/relationships" xmlns:ac="http://schemas.microsoft.com/office/drawing/2013/main/command" xmlns:pc="http://schemas.microsoft.com/office/powerpoint/2013/main/command">
   <pc:docChgLst>
     <pc:chgData name="Xin Wang" userId="b1e7fbef69b41487" providerId="LiveId" clId="{59A17278-D57F-4087-8834-1A2B65F7281E}"/>
-    <pc:docChg chg="custSel addSld delSld modSld">
-      <pc:chgData name="Xin Wang" userId="b1e7fbef69b41487" providerId="LiveId" clId="{59A17278-D57F-4087-8834-1A2B65F7281E}" dt="2021-09-12T03:55:30.233" v="585" actId="14100"/>
+    <pc:docChg chg="undo custSel addSld delSld modSld">
+      <pc:chgData name="Xin Wang" userId="b1e7fbef69b41487" providerId="LiveId" clId="{59A17278-D57F-4087-8834-1A2B65F7281E}" dt="2021-09-12T22:25:35.691" v="672"/>
       <pc:docMkLst>
         <pc:docMk/>
       </pc:docMkLst>
@@ -328,8 +328,8 @@
           </ac:cxnSpMkLst>
         </pc:cxnChg>
       </pc:sldChg>
-      <pc:sldChg chg="delSp modSp add mod">
-        <pc:chgData name="Xin Wang" userId="b1e7fbef69b41487" providerId="LiveId" clId="{59A17278-D57F-4087-8834-1A2B65F7281E}" dt="2021-09-12T03:55:30.233" v="585" actId="14100"/>
+      <pc:sldChg chg="addSp delSp modSp add mod">
+        <pc:chgData name="Xin Wang" userId="b1e7fbef69b41487" providerId="LiveId" clId="{59A17278-D57F-4087-8834-1A2B65F7281E}" dt="2021-09-12T22:25:35.691" v="672"/>
         <pc:sldMkLst>
           <pc:docMk/>
           <pc:sldMk cId="0" sldId="257"/>
@@ -343,7 +343,7 @@
           </ac:spMkLst>
         </pc:spChg>
         <pc:spChg chg="mod">
-          <ac:chgData name="Xin Wang" userId="b1e7fbef69b41487" providerId="LiveId" clId="{59A17278-D57F-4087-8834-1A2B65F7281E}" dt="2021-09-12T03:30:31.368" v="241" actId="20577"/>
+          <ac:chgData name="Xin Wang" userId="b1e7fbef69b41487" providerId="LiveId" clId="{59A17278-D57F-4087-8834-1A2B65F7281E}" dt="2021-09-12T22:18:19.862" v="601" actId="14100"/>
           <ac:spMkLst>
             <pc:docMk/>
             <pc:sldMk cId="0" sldId="257"/>
@@ -359,7 +359,7 @@
           </ac:spMkLst>
         </pc:spChg>
         <pc:spChg chg="mod">
-          <ac:chgData name="Xin Wang" userId="b1e7fbef69b41487" providerId="LiveId" clId="{59A17278-D57F-4087-8834-1A2B65F7281E}" dt="2021-09-12T03:45:41.284" v="395" actId="20577"/>
+          <ac:chgData name="Xin Wang" userId="b1e7fbef69b41487" providerId="LiveId" clId="{59A17278-D57F-4087-8834-1A2B65F7281E}" dt="2021-09-12T22:18:01.526" v="598" actId="14100"/>
           <ac:spMkLst>
             <pc:docMk/>
             <pc:sldMk cId="0" sldId="257"/>
@@ -375,7 +375,7 @@
           </ac:spMkLst>
         </pc:spChg>
         <pc:spChg chg="mod">
-          <ac:chgData name="Xin Wang" userId="b1e7fbef69b41487" providerId="LiveId" clId="{59A17278-D57F-4087-8834-1A2B65F7281E}" dt="2021-09-12T03:52:35.026" v="515" actId="313"/>
+          <ac:chgData name="Xin Wang" userId="b1e7fbef69b41487" providerId="LiveId" clId="{59A17278-D57F-4087-8834-1A2B65F7281E}" dt="2021-09-12T22:20:03.003" v="667" actId="20577"/>
           <ac:spMkLst>
             <pc:docMk/>
             <pc:sldMk cId="0" sldId="257"/>
@@ -390,12 +390,28 @@
             <ac:spMk id="36" creationId="{00000000-0000-0000-0000-000000000000}"/>
           </ac:spMkLst>
         </pc:spChg>
+        <pc:spChg chg="add del mod">
+          <ac:chgData name="Xin Wang" userId="b1e7fbef69b41487" providerId="LiveId" clId="{59A17278-D57F-4087-8834-1A2B65F7281E}" dt="2021-09-12T22:25:35.691" v="672"/>
+          <ac:spMkLst>
+            <pc:docMk/>
+            <pc:sldMk cId="0" sldId="257"/>
+            <ac:spMk id="36" creationId="{B7DDD179-E912-4EBC-9A3C-272DB72941F9}"/>
+          </ac:spMkLst>
+        </pc:spChg>
         <pc:spChg chg="del">
           <ac:chgData name="Xin Wang" userId="b1e7fbef69b41487" providerId="LiveId" clId="{59A17278-D57F-4087-8834-1A2B65F7281E}" dt="2021-09-12T03:44:51.195" v="367" actId="478"/>
           <ac:spMkLst>
             <pc:docMk/>
             <pc:sldMk cId="0" sldId="257"/>
             <ac:spMk id="40" creationId="{00000000-0000-0000-0000-000000000000}"/>
+          </ac:spMkLst>
+        </pc:spChg>
+        <pc:spChg chg="mod">
+          <ac:chgData name="Xin Wang" userId="b1e7fbef69b41487" providerId="LiveId" clId="{59A17278-D57F-4087-8834-1A2B65F7281E}" dt="2021-09-12T22:19:13.191" v="609" actId="20577"/>
+          <ac:spMkLst>
+            <pc:docMk/>
+            <pc:sldMk cId="0" sldId="257"/>
+            <ac:spMk id="48" creationId="{00000000-0000-0000-0000-000000000000}"/>
           </ac:spMkLst>
         </pc:spChg>
         <pc:spChg chg="del mod">
@@ -407,7 +423,7 @@
           </ac:spMkLst>
         </pc:spChg>
         <pc:spChg chg="mod">
-          <ac:chgData name="Xin Wang" userId="b1e7fbef69b41487" providerId="LiveId" clId="{59A17278-D57F-4087-8834-1A2B65F7281E}" dt="2021-09-12T03:52:26.764" v="514" actId="313"/>
+          <ac:chgData name="Xin Wang" userId="b1e7fbef69b41487" providerId="LiveId" clId="{59A17278-D57F-4087-8834-1A2B65F7281E}" dt="2021-09-12T22:19:39.422" v="643" actId="20577"/>
           <ac:spMkLst>
             <pc:docMk/>
             <pc:sldMk cId="0" sldId="257"/>
@@ -422,6 +438,22 @@
             <ac:spMk id="52" creationId="{00000000-0000-0000-0000-000000000000}"/>
           </ac:spMkLst>
         </pc:spChg>
+        <pc:cxnChg chg="mod">
+          <ac:chgData name="Xin Wang" userId="b1e7fbef69b41487" providerId="LiveId" clId="{59A17278-D57F-4087-8834-1A2B65F7281E}" dt="2021-09-12T22:18:19.862" v="601" actId="14100"/>
+          <ac:cxnSpMkLst>
+            <pc:docMk/>
+            <pc:sldMk cId="0" sldId="257"/>
+            <ac:cxnSpMk id="22" creationId="{00000000-0000-0000-0000-000000000000}"/>
+          </ac:cxnSpMkLst>
+        </pc:cxnChg>
+        <pc:cxnChg chg="mod">
+          <ac:chgData name="Xin Wang" userId="b1e7fbef69b41487" providerId="LiveId" clId="{59A17278-D57F-4087-8834-1A2B65F7281E}" dt="2021-09-12T22:18:19.862" v="601" actId="14100"/>
+          <ac:cxnSpMkLst>
+            <pc:docMk/>
+            <pc:sldMk cId="0" sldId="257"/>
+            <ac:cxnSpMk id="27" creationId="{00000000-0000-0000-0000-000000000000}"/>
+          </ac:cxnSpMkLst>
+        </pc:cxnChg>
         <pc:cxnChg chg="del">
           <ac:chgData name="Xin Wang" userId="b1e7fbef69b41487" providerId="LiveId" clId="{59A17278-D57F-4087-8834-1A2B65F7281E}" dt="2021-09-12T03:44:59.620" v="368" actId="478"/>
           <ac:cxnSpMkLst>
@@ -463,7 +495,7 @@
           </ac:cxnSpMkLst>
         </pc:cxnChg>
         <pc:cxnChg chg="mod">
-          <ac:chgData name="Xin Wang" userId="b1e7fbef69b41487" providerId="LiveId" clId="{59A17278-D57F-4087-8834-1A2B65F7281E}" dt="2021-09-12T03:45:31.456" v="387" actId="14100"/>
+          <ac:chgData name="Xin Wang" userId="b1e7fbef69b41487" providerId="LiveId" clId="{59A17278-D57F-4087-8834-1A2B65F7281E}" dt="2021-09-12T22:24:26.702" v="668" actId="14100"/>
           <ac:cxnSpMkLst>
             <pc:docMk/>
             <pc:sldMk cId="0" sldId="257"/>
@@ -3485,14 +3517,15 @@
         <p:nvCxnSpPr>
           <p:cNvPr id="22" name="Google Shape;22;p2"/>
           <p:cNvCxnSpPr>
+            <a:cxnSpLocks/>
             <a:stCxn id="23" idx="1"/>
           </p:cNvCxnSpPr>
           <p:nvPr/>
         </p:nvCxnSpPr>
         <p:spPr>
-          <a:xfrm flipH="1">
-            <a:off x="1666745" y="2147665"/>
-            <a:ext cx="321900" cy="1348800"/>
+          <a:xfrm rot="10800000" flipV="1">
+            <a:off x="1666745" y="2138937"/>
+            <a:ext cx="321900" cy="1357528"/>
           </a:xfrm>
           <a:prstGeom prst="bentConnector2">
             <a:avLst/>
@@ -3703,14 +3736,15 @@
         <p:nvCxnSpPr>
           <p:cNvPr id="27" name="Google Shape;27;p2"/>
           <p:cNvCxnSpPr>
+            <a:cxnSpLocks/>
             <a:stCxn id="23" idx="1"/>
           </p:cNvCxnSpPr>
           <p:nvPr/>
         </p:nvCxnSpPr>
         <p:spPr>
-          <a:xfrm flipH="1">
-            <a:off x="1666145" y="2147665"/>
-            <a:ext cx="322500" cy="1369200"/>
+          <a:xfrm rot="10800000" flipV="1">
+            <a:off x="1666145" y="2138937"/>
+            <a:ext cx="322500" cy="1377928"/>
           </a:xfrm>
           <a:prstGeom prst="bentConnector2">
             <a:avLst/>
@@ -3894,9 +3928,9 @@
         <p:grpSpPr>
           <a:xfrm>
             <a:off x="1988645" y="1905354"/>
-            <a:ext cx="3282370" cy="3401123"/>
+            <a:ext cx="3282370" cy="3581045"/>
             <a:chOff x="1988645" y="1905354"/>
-            <a:chExt cx="3282370" cy="3401123"/>
+            <a:chExt cx="3282370" cy="3581045"/>
           </a:xfrm>
         </p:grpSpPr>
         <p:sp>
@@ -3908,6 +3942,60 @@
           <p:spPr>
             <a:xfrm>
               <a:off x="1988645" y="1905354"/>
+              <a:ext cx="1150091" cy="467166"/>
+            </a:xfrm>
+            <a:prstGeom prst="rect">
+              <a:avLst/>
+            </a:prstGeom>
+            <a:solidFill>
+              <a:srgbClr val="00C09D"/>
+            </a:solidFill>
+            <a:ln w="19050" cap="flat" cmpd="sng">
+              <a:solidFill>
+                <a:srgbClr val="002060"/>
+              </a:solidFill>
+              <a:prstDash val="solid"/>
+              <a:miter lim="800000"/>
+              <a:headEnd type="none" w="sm" len="sm"/>
+              <a:tailEnd type="none" w="sm" len="sm"/>
+            </a:ln>
+          </p:spPr>
+          <p:txBody>
+            <a:bodyPr spcFirstLastPara="1" wrap="square" lIns="33075" tIns="33075" rIns="33075" bIns="33075" anchor="t" anchorCtr="0">
+              <a:noAutofit/>
+            </a:bodyPr>
+            <a:lstStyle/>
+            <a:p>
+              <a:pPr marL="0" marR="0" lvl="0" indent="0" algn="l" rtl="0">
+                <a:spcBef>
+                  <a:spcPts val="0"/>
+                </a:spcBef>
+                <a:spcAft>
+                  <a:spcPts val="0"/>
+                </a:spcAft>
+                <a:buNone/>
+              </a:pPr>
+              <a:r>
+                <a:rPr lang="en-AU" sz="1000" b="1" dirty="0">
+                  <a:solidFill>
+                    <a:schemeClr val="lt1"/>
+                  </a:solidFill>
+                </a:rPr>
+                <a:t> faulty parts</a:t>
+              </a:r>
+              <a:endParaRPr dirty="0"/>
+            </a:p>
+          </p:txBody>
+        </p:sp>
+        <p:sp>
+          <p:nvSpPr>
+            <p:cNvPr id="33" name="Google Shape;33;p2"/>
+            <p:cNvSpPr txBox="1"/>
+            <p:nvPr/>
+          </p:nvSpPr>
+          <p:spPr>
+            <a:xfrm>
+              <a:off x="2042248" y="4584077"/>
               <a:ext cx="1150091" cy="484622"/>
             </a:xfrm>
             <a:prstGeom prst="rect">
@@ -3947,61 +4035,7 @@
                     <a:schemeClr val="lt1"/>
                   </a:solidFill>
                 </a:rPr>
-                <a:t>Stop buying faulty parts</a:t>
-              </a:r>
-              <a:endParaRPr dirty="0"/>
-            </a:p>
-          </p:txBody>
-        </p:sp>
-        <p:sp>
-          <p:nvSpPr>
-            <p:cNvPr id="33" name="Google Shape;33;p2"/>
-            <p:cNvSpPr txBox="1"/>
-            <p:nvPr/>
-          </p:nvSpPr>
-          <p:spPr>
-            <a:xfrm>
-              <a:off x="2042248" y="4584077"/>
-              <a:ext cx="1150091" cy="722400"/>
-            </a:xfrm>
-            <a:prstGeom prst="rect">
-              <a:avLst/>
-            </a:prstGeom>
-            <a:solidFill>
-              <a:srgbClr val="00C09D"/>
-            </a:solidFill>
-            <a:ln w="19050" cap="flat" cmpd="sng">
-              <a:solidFill>
-                <a:srgbClr val="002060"/>
-              </a:solidFill>
-              <a:prstDash val="solid"/>
-              <a:miter lim="800000"/>
-              <a:headEnd type="none" w="sm" len="sm"/>
-              <a:tailEnd type="none" w="sm" len="sm"/>
-            </a:ln>
-          </p:spPr>
-          <p:txBody>
-            <a:bodyPr spcFirstLastPara="1" wrap="square" lIns="33075" tIns="33075" rIns="33075" bIns="33075" anchor="t" anchorCtr="0">
-              <a:noAutofit/>
-            </a:bodyPr>
-            <a:lstStyle/>
-            <a:p>
-              <a:pPr marL="0" marR="0" lvl="0" indent="0" algn="l" rtl="0">
-                <a:spcBef>
-                  <a:spcPts val="0"/>
-                </a:spcBef>
-                <a:spcAft>
-                  <a:spcPts val="0"/>
-                </a:spcAft>
-                <a:buNone/>
-              </a:pPr>
-              <a:r>
-                <a:rPr lang="en-AU" sz="1000" b="1" dirty="0">
-                  <a:solidFill>
-                    <a:schemeClr val="lt1"/>
-                  </a:solidFill>
-                </a:rPr>
-                <a:t>Shut down factories with  poor manufacturing</a:t>
+                <a:t>poor manufacturing</a:t>
               </a:r>
               <a:endParaRPr dirty="0"/>
             </a:p>
@@ -4016,7 +4050,7 @@
           <p:spPr>
             <a:xfrm>
               <a:off x="4112550" y="4677758"/>
-              <a:ext cx="1158465" cy="535037"/>
+              <a:ext cx="1158465" cy="808641"/>
             </a:xfrm>
             <a:prstGeom prst="rect">
               <a:avLst/>
@@ -4059,7 +4093,7 @@
                   <a:cs typeface="Arial"/>
                   <a:sym typeface="Arial"/>
                 </a:rPr>
-                <a:t>Identify factories with poor manufacturing</a:t>
+                <a:t>Identify factories with poor manufacturing and shut them down</a:t>
               </a:r>
               <a:endParaRPr sz="1000" b="1" dirty="0">
                 <a:solidFill>
@@ -4592,7 +4626,7 @@
               <a:buChar char="✔"/>
             </a:pPr>
             <a:r>
-              <a:rPr lang="en-AU" sz="1400" b="0" i="0" u="none" strike="noStrike" cap="none">
+              <a:rPr lang="en-AU" sz="1400" b="0" i="0" u="none" strike="noStrike" cap="none" dirty="0">
                 <a:solidFill>
                   <a:srgbClr val="000000"/>
                 </a:solidFill>
@@ -4604,7 +4638,7 @@
               <a:t>..is to ensure that for each </a:t>
             </a:r>
             <a:br>
-              <a:rPr lang="en-AU" sz="1400" b="0" i="0" u="none" strike="noStrike" cap="none">
+              <a:rPr lang="en-AU" sz="1400" b="0" i="0" u="none" strike="noStrike" cap="none" dirty="0">
                 <a:solidFill>
                   <a:srgbClr val="000000"/>
                 </a:solidFill>
@@ -4615,7 +4649,7 @@
               </a:rPr>
             </a:br>
             <a:r>
-              <a:rPr lang="en-AU" sz="1400" b="0" i="0" u="none" strike="noStrike" cap="none">
+              <a:rPr lang="en-AU" sz="1400" b="0" i="0" u="none" strike="noStrike" cap="none" dirty="0">
                 <a:solidFill>
                   <a:srgbClr val="000000"/>
                 </a:solidFill>
@@ -4624,9 +4658,9 @@
                 <a:cs typeface="Arial"/>
                 <a:sym typeface="Arial"/>
               </a:rPr>
-              <a:t>issue listed, they help answer the question of fully describe the idea in an ‘exhaustive’ manner where potential avenues are fleshed out and explored if feasible.</a:t>
+              <a:t>issue listed, they help answer the question of fully describe the idea in an ‘exhaustive’ manner where potential avenues are fleshed out and explored if feasible</a:t>
             </a:r>
-            <a:endParaRPr/>
+            <a:endParaRPr dirty="0"/>
           </a:p>
         </p:txBody>
       </p:sp>
@@ -4641,8 +4675,8 @@
         </p:nvCxnSpPr>
         <p:spPr>
           <a:xfrm rot="10800000">
-            <a:off x="1666948" y="3496491"/>
-            <a:ext cx="375300" cy="1448787"/>
+            <a:off x="1666144" y="3516748"/>
+            <a:ext cx="376104" cy="1309640"/>
           </a:xfrm>
           <a:prstGeom prst="bentConnector2">
             <a:avLst/>
@@ -4667,8 +4701,8 @@
         </p:nvSpPr>
         <p:spPr>
           <a:xfrm>
-            <a:off x="4140896" y="1887898"/>
-            <a:ext cx="1158465" cy="484622"/>
+            <a:off x="4140896" y="1887897"/>
+            <a:ext cx="1158465" cy="704513"/>
           </a:xfrm>
           <a:prstGeom prst="rect">
             <a:avLst/>
@@ -4707,7 +4741,7 @@
                   <a:schemeClr val="lt1"/>
                 </a:solidFill>
               </a:rPr>
-              <a:t>Identify faulty parts suppliers</a:t>
+              <a:t>Identify faulty parts suppliers and stop buying parts from them</a:t>
             </a:r>
             <a:endParaRPr sz="1000" b="1" dirty="0">
               <a:solidFill>

--- a/Nordic Sensing Issue Tree.pptx
+++ b/Nordic Sensing Issue Tree.pptx
@@ -266,7 +266,7 @@
       </p15:sldGuideLst>
     </p:ext>
     <p:ext uri="http://customooxmlschemas.google.com/">
-      <go:slidesCustomData xmlns="" xmlns:mc="http://schemas.openxmlformats.org/markup-compatibility/2006" xmlns:mv="urn:schemas-microsoft-com:mac:vml" xmlns:c="http://schemas.openxmlformats.org/drawingml/2006/chart" xmlns:dgm="http://schemas.openxmlformats.org/drawingml/2006/diagram" xmlns:o="urn:schemas-microsoft-com:office:office" xmlns:v="urn:schemas-microsoft-com:vml" xmlns:pvml="urn:schemas-microsoft-com:office:powerpoint" xmlns:com="http://schemas.openxmlformats.org/drawingml/2006/compatibility" xmlns:p14="http://schemas.microsoft.com/office/powerpoint/2010/main" xmlns:p15="http://schemas.microsoft.com/office/powerpoint/2012/main" xmlns:go="http://customooxmlschemas.google.com/" r:id="rId10" roundtripDataSignature="AMtx7mh25xktGHMJRxX7Qy0FN+pmM3PERQ=="/>
+      <go:slidesCustomData xmlns:go="http://customooxmlschemas.google.com/" xmlns:p15="http://schemas.microsoft.com/office/powerpoint/2012/main" xmlns:p14="http://schemas.microsoft.com/office/powerpoint/2010/main" xmlns:com="http://schemas.openxmlformats.org/drawingml/2006/compatibility" xmlns:pvml="urn:schemas-microsoft-com:office:powerpoint" xmlns:v="urn:schemas-microsoft-com:vml" xmlns:o="urn:schemas-microsoft-com:office:office" xmlns:dgm="http://schemas.openxmlformats.org/drawingml/2006/diagram" xmlns:c="http://schemas.openxmlformats.org/drawingml/2006/chart" xmlns:mv="urn:schemas-microsoft-com:mac:vml" xmlns:mc="http://schemas.openxmlformats.org/markup-compatibility/2006" xmlns="" r:id="rId10" roundtripDataSignature="AMtx7mh25xktGHMJRxX7Qy0FN+pmM3PERQ=="/>
     </p:ext>
   </p:extLst>
 </p:presentation>
@@ -275,7 +275,7 @@
 <file path=ppt/revisionInfo.xml><?xml version="1.0" encoding="utf-8"?>
 <p1510:revInfo xmlns:a="http://schemas.openxmlformats.org/drawingml/2006/main" xmlns:r="http://schemas.openxmlformats.org/officeDocument/2006/relationships" xmlns:p1510="http://schemas.microsoft.com/office/powerpoint/2015/10/main">
   <p1510:revLst>
-    <p1510:client id="{59A17278-D57F-4087-8834-1A2B65F7281E}" v="3" dt="2021-09-12T22:25:35.692"/>
+    <p1510:client id="{59A17278-D57F-4087-8834-1A2B65F7281E}" v="11" dt="2021-09-13T15:43:41.772"/>
   </p1510:revLst>
 </p1510:revInfo>
 </file>
@@ -285,7 +285,7 @@
   <pc:docChgLst>
     <pc:chgData name="Xin Wang" userId="b1e7fbef69b41487" providerId="LiveId" clId="{59A17278-D57F-4087-8834-1A2B65F7281E}"/>
     <pc:docChg chg="undo custSel addSld delSld modSld">
-      <pc:chgData name="Xin Wang" userId="b1e7fbef69b41487" providerId="LiveId" clId="{59A17278-D57F-4087-8834-1A2B65F7281E}" dt="2021-09-12T22:25:35.691" v="672"/>
+      <pc:chgData name="Xin Wang" userId="b1e7fbef69b41487" providerId="LiveId" clId="{59A17278-D57F-4087-8834-1A2B65F7281E}" dt="2021-09-13T15:44:28.775" v="786" actId="20577"/>
       <pc:docMkLst>
         <pc:docMk/>
       </pc:docMkLst>
@@ -329,7 +329,7 @@
         </pc:cxnChg>
       </pc:sldChg>
       <pc:sldChg chg="addSp delSp modSp add mod">
-        <pc:chgData name="Xin Wang" userId="b1e7fbef69b41487" providerId="LiveId" clId="{59A17278-D57F-4087-8834-1A2B65F7281E}" dt="2021-09-12T22:25:35.691" v="672"/>
+        <pc:chgData name="Xin Wang" userId="b1e7fbef69b41487" providerId="LiveId" clId="{59A17278-D57F-4087-8834-1A2B65F7281E}" dt="2021-09-13T15:44:28.775" v="786" actId="20577"/>
         <pc:sldMkLst>
           <pc:docMk/>
           <pc:sldMk cId="0" sldId="257"/>
@@ -356,6 +356,14 @@
             <pc:docMk/>
             <pc:sldMk cId="0" sldId="257"/>
             <ac:spMk id="24" creationId="{00000000-0000-0000-0000-000000000000}"/>
+          </ac:spMkLst>
+        </pc:spChg>
+        <pc:spChg chg="add mod">
+          <ac:chgData name="Xin Wang" userId="b1e7fbef69b41487" providerId="LiveId" clId="{59A17278-D57F-4087-8834-1A2B65F7281E}" dt="2021-09-13T15:42:08.757" v="707" actId="20577"/>
+          <ac:spMkLst>
+            <pc:docMk/>
+            <pc:sldMk cId="0" sldId="257"/>
+            <ac:spMk id="31" creationId="{51A108CD-E690-49F5-81FD-B5B30F145599}"/>
           </ac:spMkLst>
         </pc:spChg>
         <pc:spChg chg="mod">
@@ -396,6 +404,14 @@
             <pc:docMk/>
             <pc:sldMk cId="0" sldId="257"/>
             <ac:spMk id="36" creationId="{B7DDD179-E912-4EBC-9A3C-272DB72941F9}"/>
+          </ac:spMkLst>
+        </pc:spChg>
+        <pc:spChg chg="add mod">
+          <ac:chgData name="Xin Wang" userId="b1e7fbef69b41487" providerId="LiveId" clId="{59A17278-D57F-4087-8834-1A2B65F7281E}" dt="2021-09-13T15:44:28.775" v="786" actId="20577"/>
+          <ac:spMkLst>
+            <pc:docMk/>
+            <pc:sldMk cId="0" sldId="257"/>
+            <ac:spMk id="38" creationId="{8153527C-D813-4507-82AB-7FA2D45FD478}"/>
           </ac:spMkLst>
         </pc:spChg>
         <pc:spChg chg="del">
@@ -446,8 +462,8 @@
             <ac:cxnSpMk id="22" creationId="{00000000-0000-0000-0000-000000000000}"/>
           </ac:cxnSpMkLst>
         </pc:cxnChg>
-        <pc:cxnChg chg="mod">
-          <ac:chgData name="Xin Wang" userId="b1e7fbef69b41487" providerId="LiveId" clId="{59A17278-D57F-4087-8834-1A2B65F7281E}" dt="2021-09-12T22:18:19.862" v="601" actId="14100"/>
+        <pc:cxnChg chg="del mod">
+          <ac:chgData name="Xin Wang" userId="b1e7fbef69b41487" providerId="LiveId" clId="{59A17278-D57F-4087-8834-1A2B65F7281E}" dt="2021-09-13T15:41:29.147" v="677" actId="478"/>
           <ac:cxnSpMkLst>
             <pc:docMk/>
             <pc:sldMk cId="0" sldId="257"/>
@@ -462,12 +478,36 @@
             <ac:cxnSpMk id="31" creationId="{00000000-0000-0000-0000-000000000000}"/>
           </ac:cxnSpMkLst>
         </pc:cxnChg>
+        <pc:cxnChg chg="add mod">
+          <ac:chgData name="Xin Wang" userId="b1e7fbef69b41487" providerId="LiveId" clId="{59A17278-D57F-4087-8834-1A2B65F7281E}" dt="2021-09-13T15:41:55.875" v="682" actId="14100"/>
+          <ac:cxnSpMkLst>
+            <pc:docMk/>
+            <pc:sldMk cId="0" sldId="257"/>
+            <ac:cxnSpMk id="34" creationId="{AC5CFDD5-BBD8-4A3C-A7B6-B95CA8375CF4}"/>
+          </ac:cxnSpMkLst>
+        </pc:cxnChg>
+        <pc:cxnChg chg="add del mod">
+          <ac:chgData name="Xin Wang" userId="b1e7fbef69b41487" providerId="LiveId" clId="{59A17278-D57F-4087-8834-1A2B65F7281E}" dt="2021-09-13T15:42:54.640" v="709"/>
+          <ac:cxnSpMkLst>
+            <pc:docMk/>
+            <pc:sldMk cId="0" sldId="257"/>
+            <ac:cxnSpMk id="36" creationId="{9E0D508A-7170-4AAC-BC57-1B802F408892}"/>
+          </ac:cxnSpMkLst>
+        </pc:cxnChg>
         <pc:cxnChg chg="del mod">
           <ac:chgData name="Xin Wang" userId="b1e7fbef69b41487" providerId="LiveId" clId="{59A17278-D57F-4087-8834-1A2B65F7281E}" dt="2021-09-12T03:51:43.354" v="509" actId="478"/>
           <ac:cxnSpMkLst>
             <pc:docMk/>
             <pc:sldMk cId="0" sldId="257"/>
             <ac:cxnSpMk id="37" creationId="{00000000-0000-0000-0000-000000000000}"/>
+          </ac:cxnSpMkLst>
+        </pc:cxnChg>
+        <pc:cxnChg chg="add del mod">
+          <ac:chgData name="Xin Wang" userId="b1e7fbef69b41487" providerId="LiveId" clId="{59A17278-D57F-4087-8834-1A2B65F7281E}" dt="2021-09-13T15:43:04.532" v="711"/>
+          <ac:cxnSpMkLst>
+            <pc:docMk/>
+            <pc:sldMk cId="0" sldId="257"/>
+            <ac:cxnSpMk id="37" creationId="{BDF09CFF-FE88-4D2E-815E-FD2780C991B1}"/>
           </ac:cxnSpMkLst>
         </pc:cxnChg>
         <pc:cxnChg chg="del mod">
@@ -484,6 +524,14 @@
             <pc:docMk/>
             <pc:sldMk cId="0" sldId="257"/>
             <ac:cxnSpMk id="39" creationId="{00000000-0000-0000-0000-000000000000}"/>
+          </ac:cxnSpMkLst>
+        </pc:cxnChg>
+        <pc:cxnChg chg="add mod">
+          <ac:chgData name="Xin Wang" userId="b1e7fbef69b41487" providerId="LiveId" clId="{59A17278-D57F-4087-8834-1A2B65F7281E}" dt="2021-09-13T15:43:47.128" v="715" actId="1076"/>
+          <ac:cxnSpMkLst>
+            <pc:docMk/>
+            <pc:sldMk cId="0" sldId="257"/>
+            <ac:cxnSpMk id="40" creationId="{C8876527-BAAB-45A6-9ED5-9A3591B2A25D}"/>
           </ac:cxnSpMkLst>
         </pc:cxnChg>
         <pc:cxnChg chg="del mod">
@@ -3734,35 +3782,6 @@
       </p:sp>
       <p:cxnSp>
         <p:nvCxnSpPr>
-          <p:cNvPr id="27" name="Google Shape;27;p2"/>
-          <p:cNvCxnSpPr>
-            <a:cxnSpLocks/>
-            <a:stCxn id="23" idx="1"/>
-          </p:cNvCxnSpPr>
-          <p:nvPr/>
-        </p:nvCxnSpPr>
-        <p:spPr>
-          <a:xfrm rot="10800000" flipV="1">
-            <a:off x="1666145" y="2138937"/>
-            <a:ext cx="322500" cy="1377928"/>
-          </a:xfrm>
-          <a:prstGeom prst="bentConnector2">
-            <a:avLst/>
-          </a:prstGeom>
-          <a:noFill/>
-          <a:ln w="19050" cap="flat" cmpd="sng">
-            <a:solidFill>
-              <a:srgbClr val="002060"/>
-            </a:solidFill>
-            <a:prstDash val="solid"/>
-            <a:round/>
-            <a:headEnd type="none" w="sm" len="sm"/>
-            <a:tailEnd type="none" w="sm" len="sm"/>
-          </a:ln>
-        </p:spPr>
-      </p:cxnSp>
-      <p:cxnSp>
-        <p:nvCxnSpPr>
           <p:cNvPr id="28" name="Google Shape;28;p2"/>
           <p:cNvCxnSpPr/>
           <p:nvPr/>
@@ -4766,6 +4785,226 @@
         <p:spPr>
           <a:xfrm>
             <a:off x="3138736" y="2120231"/>
+            <a:ext cx="1015212" cy="0"/>
+          </a:xfrm>
+          <a:prstGeom prst="straightConnector1">
+            <a:avLst/>
+          </a:prstGeom>
+          <a:noFill/>
+          <a:ln w="19050" cap="flat" cmpd="sng">
+            <a:solidFill>
+              <a:srgbClr val="002060"/>
+            </a:solidFill>
+            <a:prstDash val="solid"/>
+            <a:round/>
+            <a:headEnd type="none" w="sm" len="sm"/>
+            <a:tailEnd type="none" w="sm" len="sm"/>
+          </a:ln>
+        </p:spPr>
+      </p:cxnSp>
+      <p:sp>
+        <p:nvSpPr>
+          <p:cNvPr id="31" name="Google Shape;23;p2">
+            <a:extLst>
+              <a:ext uri="{FF2B5EF4-FFF2-40B4-BE49-F238E27FC236}">
+                <a16:creationId xmlns:a16="http://schemas.microsoft.com/office/drawing/2014/main" id="{51A108CD-E690-49F5-81FD-B5B30F145599}"/>
+              </a:ext>
+            </a:extLst>
+          </p:cNvPr>
+          <p:cNvSpPr txBox="1"/>
+          <p:nvPr/>
+        </p:nvSpPr>
+        <p:spPr>
+          <a:xfrm>
+            <a:off x="1974982" y="3282135"/>
+            <a:ext cx="1150091" cy="467166"/>
+          </a:xfrm>
+          <a:prstGeom prst="rect">
+            <a:avLst/>
+          </a:prstGeom>
+          <a:solidFill>
+            <a:srgbClr val="00C09D"/>
+          </a:solidFill>
+          <a:ln w="19050" cap="flat" cmpd="sng">
+            <a:solidFill>
+              <a:srgbClr val="002060"/>
+            </a:solidFill>
+            <a:prstDash val="solid"/>
+            <a:miter lim="800000"/>
+            <a:headEnd type="none" w="sm" len="sm"/>
+            <a:tailEnd type="none" w="sm" len="sm"/>
+          </a:ln>
+        </p:spPr>
+        <p:txBody>
+          <a:bodyPr spcFirstLastPara="1" wrap="square" lIns="33075" tIns="33075" rIns="33075" bIns="33075" anchor="t" anchorCtr="0">
+            <a:noAutofit/>
+          </a:bodyPr>
+          <a:lstStyle/>
+          <a:p>
+            <a:pPr marL="0" marR="0" lvl="0" indent="0" algn="l" rtl="0">
+              <a:spcBef>
+                <a:spcPts val="0"/>
+              </a:spcBef>
+              <a:spcAft>
+                <a:spcPts val="0"/>
+              </a:spcAft>
+              <a:buNone/>
+            </a:pPr>
+            <a:r>
+              <a:rPr lang="en-AU" sz="1000" b="1" dirty="0">
+                <a:solidFill>
+                  <a:schemeClr val="lt1"/>
+                </a:solidFill>
+              </a:rPr>
+              <a:t> other reasons</a:t>
+            </a:r>
+            <a:endParaRPr dirty="0"/>
+          </a:p>
+        </p:txBody>
+      </p:sp>
+      <p:cxnSp>
+        <p:nvCxnSpPr>
+          <p:cNvPr id="34" name="Google Shape;55;p2">
+            <a:extLst>
+              <a:ext uri="{FF2B5EF4-FFF2-40B4-BE49-F238E27FC236}">
+                <a16:creationId xmlns:a16="http://schemas.microsoft.com/office/drawing/2014/main" id="{AC5CFDD5-BBD8-4A3C-A7B6-B95CA8375CF4}"/>
+              </a:ext>
+            </a:extLst>
+          </p:cNvPr>
+          <p:cNvCxnSpPr>
+            <a:cxnSpLocks/>
+            <a:endCxn id="31" idx="1"/>
+          </p:cNvCxnSpPr>
+          <p:nvPr/>
+        </p:nvCxnSpPr>
+        <p:spPr>
+          <a:xfrm>
+            <a:off x="1629423" y="3513887"/>
+            <a:ext cx="345559" cy="1831"/>
+          </a:xfrm>
+          <a:prstGeom prst="straightConnector1">
+            <a:avLst/>
+          </a:prstGeom>
+          <a:noFill/>
+          <a:ln w="19050" cap="flat" cmpd="sng">
+            <a:solidFill>
+              <a:srgbClr val="002060"/>
+            </a:solidFill>
+            <a:prstDash val="solid"/>
+            <a:round/>
+            <a:headEnd type="none" w="sm" len="sm"/>
+            <a:tailEnd type="none" w="sm" len="sm"/>
+          </a:ln>
+        </p:spPr>
+      </p:cxnSp>
+      <p:sp>
+        <p:nvSpPr>
+          <p:cNvPr id="38" name="Google Shape;51;p2">
+            <a:extLst>
+              <a:ext uri="{FF2B5EF4-FFF2-40B4-BE49-F238E27FC236}">
+                <a16:creationId xmlns:a16="http://schemas.microsoft.com/office/drawing/2014/main" id="{8153527C-D813-4507-82AB-7FA2D45FD478}"/>
+              </a:ext>
+            </a:extLst>
+          </p:cNvPr>
+          <p:cNvSpPr txBox="1"/>
+          <p:nvPr/>
+        </p:nvSpPr>
+        <p:spPr>
+          <a:xfrm>
+            <a:off x="4137489" y="3192186"/>
+            <a:ext cx="1158465" cy="704513"/>
+          </a:xfrm>
+          <a:prstGeom prst="rect">
+            <a:avLst/>
+          </a:prstGeom>
+          <a:solidFill>
+            <a:srgbClr val="00C09D"/>
+          </a:solidFill>
+          <a:ln w="19050" cap="flat" cmpd="sng">
+            <a:solidFill>
+              <a:srgbClr val="002060"/>
+            </a:solidFill>
+            <a:prstDash val="solid"/>
+            <a:miter lim="800000"/>
+            <a:headEnd type="none" w="sm" len="sm"/>
+            <a:tailEnd type="none" w="sm" len="sm"/>
+          </a:ln>
+        </p:spPr>
+        <p:txBody>
+          <a:bodyPr spcFirstLastPara="1" wrap="square" lIns="33075" tIns="33075" rIns="33075" bIns="33075" anchor="t" anchorCtr="0">
+            <a:noAutofit/>
+          </a:bodyPr>
+          <a:lstStyle/>
+          <a:p>
+            <a:pPr marL="0" marR="0" lvl="0" indent="0" algn="l" rtl="0">
+              <a:spcBef>
+                <a:spcPts val="0"/>
+              </a:spcBef>
+              <a:spcAft>
+                <a:spcPts val="0"/>
+              </a:spcAft>
+              <a:buNone/>
+            </a:pPr>
+            <a:r>
+              <a:rPr lang="en-AU" sz="1000" b="1" dirty="0">
+                <a:solidFill>
+                  <a:schemeClr val="lt1"/>
+                </a:solidFill>
+              </a:rPr>
+              <a:t>Identify reasons and handle them</a:t>
+            </a:r>
+          </a:p>
+          <a:p>
+            <a:pPr marL="0" marR="0" lvl="0" indent="0" algn="l" rtl="0">
+              <a:spcBef>
+                <a:spcPts val="0"/>
+              </a:spcBef>
+              <a:spcAft>
+                <a:spcPts val="0"/>
+              </a:spcAft>
+              <a:buNone/>
+            </a:pPr>
+            <a:r>
+              <a:rPr lang="en-AU" sz="1000" b="1" dirty="0">
+                <a:solidFill>
+                  <a:schemeClr val="lt1"/>
+                </a:solidFill>
+                <a:latin typeface="Arial"/>
+                <a:ea typeface="Arial"/>
+                <a:cs typeface="Arial"/>
+                <a:sym typeface="Arial"/>
+              </a:rPr>
+              <a:t>Accordingly</a:t>
+            </a:r>
+            <a:endParaRPr sz="1000" b="1" dirty="0">
+              <a:solidFill>
+                <a:schemeClr val="lt1"/>
+              </a:solidFill>
+              <a:latin typeface="Arial"/>
+              <a:ea typeface="Arial"/>
+              <a:cs typeface="Arial"/>
+              <a:sym typeface="Arial"/>
+            </a:endParaRPr>
+          </a:p>
+        </p:txBody>
+      </p:sp>
+      <p:cxnSp>
+        <p:nvCxnSpPr>
+          <p:cNvPr id="40" name="Google Shape;55;p2">
+            <a:extLst>
+              <a:ext uri="{FF2B5EF4-FFF2-40B4-BE49-F238E27FC236}">
+                <a16:creationId xmlns:a16="http://schemas.microsoft.com/office/drawing/2014/main" id="{C8876527-BAAB-45A6-9ED5-9A3591B2A25D}"/>
+              </a:ext>
+            </a:extLst>
+          </p:cNvPr>
+          <p:cNvCxnSpPr>
+            <a:cxnSpLocks/>
+          </p:cNvCxnSpPr>
+          <p:nvPr/>
+        </p:nvCxnSpPr>
+        <p:spPr>
+          <a:xfrm>
+            <a:off x="3097338" y="3513887"/>
             <a:ext cx="1015212" cy="0"/>
           </a:xfrm>
           <a:prstGeom prst="straightConnector1">
